--- a/docs/phase 5/Controls_Project_Presentation.pptx
+++ b/docs/phase 5/Controls_Project_Presentation.pptx
@@ -18,7 +18,6 @@
     <p:sldId id="269" r:id="rId12"/>
     <p:sldId id="270" r:id="rId13"/>
     <p:sldId id="271" r:id="rId14"/>
-    <p:sldId id="272" r:id="rId15"/>
   </p:sldIdLst>
   <p:sldSz cx="12192000" cy="6858000"/>
   <p:notesSz cx="6858000" cy="9144000"/>
@@ -310,7 +309,7 @@
           <a:p>
             <a:fld id="{88D38747-4367-4BD2-8D51-C97E202738E2}" type="datetime1">
               <a:rPr lang="en-US" smtClean="0"/>
-              <a:t>9/14/2025</a:t>
+              <a:t>10/15/2025</a:t>
             </a:fld>
             <a:endParaRPr lang="en-US" dirty="0"/>
           </a:p>
@@ -615,7 +614,7 @@
           <a:p>
             <a:fld id="{11F1B079-7EF0-44EE-B798-BCC497C9F3B2}" type="datetime1">
               <a:rPr lang="en-US" smtClean="0"/>
-              <a:t>9/14/2025</a:t>
+              <a:t>10/15/2025</a:t>
             </a:fld>
             <a:endParaRPr lang="en-US" dirty="0"/>
           </a:p>
@@ -809,7 +808,7 @@
           <a:p>
             <a:fld id="{28FF70A8-1D13-4657-95F0-A9EA54967B8D}" type="datetime1">
               <a:rPr lang="en-US" smtClean="0"/>
-              <a:t>9/14/2025</a:t>
+              <a:t>10/15/2025</a:t>
             </a:fld>
             <a:endParaRPr lang="en-US" dirty="0"/>
           </a:p>
@@ -1072,7 +1071,7 @@
           <a:p>
             <a:fld id="{21EB90AC-71BD-4C7F-8ACA-7B3F18292E63}" type="datetime1">
               <a:rPr lang="en-US" smtClean="0"/>
-              <a:t>9/14/2025</a:t>
+              <a:t>10/15/2025</a:t>
             </a:fld>
             <a:endParaRPr lang="en-US" dirty="0"/>
           </a:p>
@@ -1508,7 +1507,7 @@
           <a:p>
             <a:fld id="{4E6EFC2C-8905-46F0-B443-CE905B76BA01}" type="datetime1">
               <a:rPr lang="en-US" smtClean="0"/>
-              <a:t>9/14/2025</a:t>
+              <a:t>10/15/2025</a:t>
             </a:fld>
             <a:endParaRPr lang="en-US" dirty="0"/>
           </a:p>
@@ -2045,7 +2044,7 @@
           <a:p>
             <a:fld id="{D9079DC3-C9B5-499E-9140-0DC28B7074E2}" type="datetime1">
               <a:rPr lang="en-US" smtClean="0"/>
-              <a:t>9/14/2025</a:t>
+              <a:t>10/15/2025</a:t>
             </a:fld>
             <a:endParaRPr lang="en-US" dirty="0"/>
           </a:p>
@@ -2927,7 +2926,7 @@
           <a:p>
             <a:fld id="{30BB33EA-E472-4D22-9C03-A9C14AA21CED}" type="datetime1">
               <a:rPr lang="en-US" smtClean="0"/>
-              <a:t>9/14/2025</a:t>
+              <a:t>10/15/2025</a:t>
             </a:fld>
             <a:endParaRPr lang="en-US" dirty="0"/>
           </a:p>
@@ -3097,7 +3096,7 @@
           <a:p>
             <a:fld id="{217E833E-1B6D-415F-AD29-75AE8C43BD0D}" type="datetime1">
               <a:rPr lang="en-US" smtClean="0"/>
-              <a:t>9/14/2025</a:t>
+              <a:t>10/15/2025</a:t>
             </a:fld>
             <a:endParaRPr lang="en-US" dirty="0"/>
           </a:p>
@@ -3281,7 +3280,7 @@
           <a:p>
             <a:fld id="{8452596F-08A7-4B70-989A-F2B1CF31E66B}" type="datetime1">
               <a:rPr lang="en-US" smtClean="0"/>
-              <a:t>9/14/2025</a:t>
+              <a:t>10/15/2025</a:t>
             </a:fld>
             <a:endParaRPr lang="en-US" dirty="0"/>
           </a:p>
@@ -3451,7 +3450,7 @@
           <a:p>
             <a:fld id="{73C55A3C-5767-4844-A0A3-83778C2E5409}" type="datetime1">
               <a:rPr lang="en-US" smtClean="0"/>
-              <a:t>9/14/2025</a:t>
+              <a:t>10/15/2025</a:t>
             </a:fld>
             <a:endParaRPr lang="en-US" dirty="0"/>
           </a:p>
@@ -3695,7 +3694,7 @@
           <a:p>
             <a:fld id="{CAE507A8-A5CF-4D38-AB86-7EDDA87A85D4}" type="datetime1">
               <a:rPr lang="en-US" smtClean="0"/>
-              <a:t>9/14/2025</a:t>
+              <a:t>10/15/2025</a:t>
             </a:fld>
             <a:endParaRPr lang="en-US" dirty="0"/>
           </a:p>
@@ -3937,7 +3936,7 @@
           <a:p>
             <a:fld id="{BDFCD27C-8599-43EF-BA1D-14DDC1946E06}" type="datetime1">
               <a:rPr lang="en-US" smtClean="0"/>
-              <a:t>9/14/2025</a:t>
+              <a:t>10/15/2025</a:t>
             </a:fld>
             <a:endParaRPr lang="en-US" dirty="0"/>
           </a:p>
@@ -4420,7 +4419,7 @@
           <a:p>
             <a:fld id="{49343D99-809A-49C0-96E5-4250D0B498EE}" type="datetime1">
               <a:rPr lang="en-US" smtClean="0"/>
-              <a:t>9/14/2025</a:t>
+              <a:t>10/15/2025</a:t>
             </a:fld>
             <a:endParaRPr lang="en-US" dirty="0"/>
           </a:p>
@@ -4538,7 +4537,7 @@
           <a:p>
             <a:fld id="{A143DE9B-B678-4EFB-BB7D-A4370204A0B0}" type="datetime1">
               <a:rPr lang="en-US" smtClean="0"/>
-              <a:t>9/14/2025</a:t>
+              <a:t>10/15/2025</a:t>
             </a:fld>
             <a:endParaRPr lang="en-US" dirty="0"/>
           </a:p>
@@ -4633,7 +4632,7 @@
           <a:p>
             <a:fld id="{E68812DA-F765-4142-A6A3-A8ED7235E082}" type="datetime1">
               <a:rPr lang="en-US" smtClean="0"/>
-              <a:t>9/14/2025</a:t>
+              <a:t>10/15/2025</a:t>
             </a:fld>
             <a:endParaRPr lang="en-US" dirty="0"/>
           </a:p>
@@ -4888,7 +4887,7 @@
           <a:p>
             <a:fld id="{3E0277FD-7DE6-41D4-930D-AC99F5AFE54E}" type="datetime1">
               <a:rPr lang="en-US" smtClean="0"/>
-              <a:t>9/14/2025</a:t>
+              <a:t>10/15/2025</a:t>
             </a:fld>
             <a:endParaRPr lang="en-US" dirty="0"/>
           </a:p>
@@ -5195,7 +5194,7 @@
           <a:p>
             <a:fld id="{9EA15526-7079-4B7B-987C-1B5FAE11A0FF}" type="datetime1">
               <a:rPr lang="en-US" smtClean="0"/>
-              <a:t>9/14/2025</a:t>
+              <a:t>10/15/2025</a:t>
             </a:fld>
             <a:endParaRPr lang="en-US" dirty="0"/>
           </a:p>
@@ -5430,7 +5429,7 @@
           <a:p>
             <a:fld id="{073ED0CC-082F-4160-86E5-0D6041F12778}" type="datetime1">
               <a:rPr lang="en-US" smtClean="0"/>
-              <a:t>9/14/2025</a:t>
+              <a:t>10/15/2025</a:t>
             </a:fld>
             <a:endParaRPr lang="en-US" dirty="0"/>
           </a:p>
@@ -6885,125 +6884,6 @@
 </p:sld>
 </file>
 
-<file path=ppt/slides/slide14.xml><?xml version="1.0" encoding="utf-8"?>
-<p:sld xmlns:a="http://schemas.openxmlformats.org/drawingml/2006/main" xmlns:r="http://schemas.openxmlformats.org/officeDocument/2006/relationships" xmlns:p="http://schemas.openxmlformats.org/presentationml/2006/main">
-  <p:cSld>
-    <p:spTree>
-      <p:nvGrpSpPr>
-        <p:cNvPr id="1" name=""/>
-        <p:cNvGrpSpPr/>
-        <p:nvPr/>
-      </p:nvGrpSpPr>
-      <p:grpSpPr>
-        <a:xfrm>
-          <a:off x="0" y="0"/>
-          <a:ext cx="0" cy="0"/>
-          <a:chOff x="0" y="0"/>
-          <a:chExt cx="0" cy="0"/>
-        </a:xfrm>
-      </p:grpSpPr>
-      <p:sp>
-        <p:nvSpPr>
-          <p:cNvPr id="2" name="Title 1">
-            <a:extLst>
-              <a:ext uri="{FF2B5EF4-FFF2-40B4-BE49-F238E27FC236}">
-                <a16:creationId xmlns:a16="http://schemas.microsoft.com/office/drawing/2014/main" id="{9361C1FE-8360-A214-3253-05A3DB134436}"/>
-              </a:ext>
-            </a:extLst>
-          </p:cNvPr>
-          <p:cNvSpPr>
-            <a:spLocks noGrp="1"/>
-          </p:cNvSpPr>
-          <p:nvPr>
-            <p:ph type="title"/>
-          </p:nvPr>
-        </p:nvSpPr>
-        <p:spPr/>
-        <p:txBody>
-          <a:bodyPr/>
-          <a:lstStyle/>
-          <a:p>
-            <a:r>
-              <a:rPr lang="en-US" dirty="0"/>
-              <a:t>Possible Future Plans</a:t>
-            </a:r>
-          </a:p>
-        </p:txBody>
-      </p:sp>
-      <p:sp>
-        <p:nvSpPr>
-          <p:cNvPr id="3" name="Content Placeholder 2">
-            <a:extLst>
-              <a:ext uri="{FF2B5EF4-FFF2-40B4-BE49-F238E27FC236}">
-                <a16:creationId xmlns:a16="http://schemas.microsoft.com/office/drawing/2014/main" id="{86F79CE5-F362-09BD-BCA4-8694E1A890E3}"/>
-              </a:ext>
-            </a:extLst>
-          </p:cNvPr>
-          <p:cNvSpPr>
-            <a:spLocks noGrp="1"/>
-          </p:cNvSpPr>
-          <p:nvPr>
-            <p:ph idx="1"/>
-          </p:nvPr>
-        </p:nvSpPr>
-        <p:spPr/>
-        <p:txBody>
-          <a:bodyPr/>
-          <a:lstStyle/>
-          <a:p>
-            <a:r>
-              <a:rPr lang="en-US" dirty="0"/>
-              <a:t>Lecture 13-16 go through explaining rotations and lecture 16 simulates a drone with 13 state.</a:t>
-            </a:r>
-          </a:p>
-          <a:p>
-            <a:r>
-              <a:rPr lang="en-US" dirty="0"/>
-              <a:t>Implement </a:t>
-            </a:r>
-            <a:r>
-              <a:rPr lang="en-US" dirty="0" err="1"/>
-              <a:t>TinyMPC</a:t>
-            </a:r>
-            <a:r>
-              <a:rPr lang="en-US" dirty="0"/>
-              <a:t> through its Julia Package and I can manually implement to make sure I am correct and compare results.</a:t>
-            </a:r>
-          </a:p>
-          <a:p>
-            <a:r>
-              <a:rPr lang="en-US" dirty="0" err="1"/>
-              <a:t>TinyMPC</a:t>
-            </a:r>
-            <a:r>
-              <a:rPr lang="en-US" dirty="0"/>
-              <a:t> uses ADMM (How are inequality constraints handled?)… Look at papers that use different optimization methods.</a:t>
-            </a:r>
-          </a:p>
-          <a:p>
-            <a:r>
-              <a:rPr lang="en-US" dirty="0"/>
-              <a:t>Ideas?</a:t>
-            </a:r>
-          </a:p>
-          <a:p>
-            <a:endParaRPr lang="en-US" dirty="0"/>
-          </a:p>
-        </p:txBody>
-      </p:sp>
-    </p:spTree>
-    <p:extLst>
-      <p:ext uri="{BB962C8B-B14F-4D97-AF65-F5344CB8AC3E}">
-        <p14:creationId xmlns:p14="http://schemas.microsoft.com/office/powerpoint/2010/main" val="2473276609"/>
-      </p:ext>
-    </p:extLst>
-  </p:cSld>
-  <p:clrMapOvr>
-    <a:masterClrMapping/>
-  </p:clrMapOvr>
-</p:sld>
-</file>
-
 <file path=ppt/slides/slide2.xml><?xml version="1.0" encoding="utf-8"?>
 <p:sld xmlns:a="http://schemas.openxmlformats.org/drawingml/2006/main" xmlns:r="http://schemas.openxmlformats.org/officeDocument/2006/relationships" xmlns:p="http://schemas.openxmlformats.org/presentationml/2006/main">
   <p:cSld>
@@ -7162,8 +7042,8 @@
           </a:effectLst>
         </p:spPr>
       </p:pic>
-      <mc:AlternateContent xmlns:mc="http://schemas.openxmlformats.org/markup-compatibility/2006">
-        <mc:Choice xmlns:a14="http://schemas.microsoft.com/office/drawing/2010/main" Requires="a14">
+      <mc:AlternateContent xmlns:mc="http://schemas.openxmlformats.org/markup-compatibility/2006" xmlns:a14="http://schemas.microsoft.com/office/drawing/2010/main">
+        <mc:Choice Requires="a14">
           <p:sp>
             <p:nvSpPr>
               <p:cNvPr id="4" name="Text Placeholder 3">
@@ -7469,7 +7349,7 @@
             </p:txBody>
           </p:sp>
         </mc:Choice>
-        <mc:Fallback>
+        <mc:Fallback xmlns="">
           <p:sp>
             <p:nvSpPr>
               <p:cNvPr id="4" name="Text Placeholder 3">
